--- a/other/8조 발표자료 중간본.pptx
+++ b/other/8조 발표자료 중간본.pptx
@@ -131,6 +131,60 @@
 
 <file path=ppt/changesInfos/changesInfo1.xml><?xml version="1.0" encoding="utf-8"?>
 <pc:chgInfo xmlns:a="http://schemas.openxmlformats.org/drawingml/2006/main" xmlns:r="http://schemas.openxmlformats.org/officeDocument/2006/relationships" xmlns:ac="http://schemas.microsoft.com/office/drawing/2013/main/command" xmlns:pc="http://schemas.microsoft.com/office/powerpoint/2013/main/command">
+  <pc:docChgLst>
+    <pc:chgData name="재현 송" userId="59b36c7d67039b31" providerId="LiveId" clId="{FBD799FF-2C63-4631-BB7F-21F184FEF88C}"/>
+    <pc:docChg chg="undo custSel modSld">
+      <pc:chgData name="재현 송" userId="59b36c7d67039b31" providerId="LiveId" clId="{FBD799FF-2C63-4631-BB7F-21F184FEF88C}" dt="2025-03-14T13:13:51.651" v="476" actId="20577"/>
+      <pc:docMkLst>
+        <pc:docMk/>
+      </pc:docMkLst>
+      <pc:sldChg chg="modSp mod">
+        <pc:chgData name="재현 송" userId="59b36c7d67039b31" providerId="LiveId" clId="{FBD799FF-2C63-4631-BB7F-21F184FEF88C}" dt="2025-03-14T13:10:08.081" v="108" actId="20577"/>
+        <pc:sldMkLst>
+          <pc:docMk/>
+          <pc:sldMk cId="391744947" sldId="258"/>
+        </pc:sldMkLst>
+        <pc:spChg chg="mod">
+          <ac:chgData name="재현 송" userId="59b36c7d67039b31" providerId="LiveId" clId="{FBD799FF-2C63-4631-BB7F-21F184FEF88C}" dt="2025-03-14T13:10:08.081" v="108" actId="20577"/>
+          <ac:spMkLst>
+            <pc:docMk/>
+            <pc:sldMk cId="391744947" sldId="258"/>
+            <ac:spMk id="3" creationId="{ADD20838-034D-E392-4A8F-EB10732F9AA9}"/>
+          </ac:spMkLst>
+        </pc:spChg>
+      </pc:sldChg>
+      <pc:sldChg chg="modSp mod">
+        <pc:chgData name="재현 송" userId="59b36c7d67039b31" providerId="LiveId" clId="{FBD799FF-2C63-4631-BB7F-21F184FEF88C}" dt="2025-03-14T13:12:58.312" v="469" actId="20577"/>
+        <pc:sldMkLst>
+          <pc:docMk/>
+          <pc:sldMk cId="3975601491" sldId="259"/>
+        </pc:sldMkLst>
+        <pc:spChg chg="mod">
+          <ac:chgData name="재현 송" userId="59b36c7d67039b31" providerId="LiveId" clId="{FBD799FF-2C63-4631-BB7F-21F184FEF88C}" dt="2025-03-14T13:12:58.312" v="469" actId="20577"/>
+          <ac:spMkLst>
+            <pc:docMk/>
+            <pc:sldMk cId="3975601491" sldId="259"/>
+            <ac:spMk id="3" creationId="{77AC2A51-E750-FC9B-0E8F-ADAD703523F8}"/>
+          </ac:spMkLst>
+        </pc:spChg>
+      </pc:sldChg>
+      <pc:sldChg chg="modSp mod">
+        <pc:chgData name="재현 송" userId="59b36c7d67039b31" providerId="LiveId" clId="{FBD799FF-2C63-4631-BB7F-21F184FEF88C}" dt="2025-03-14T13:13:51.651" v="476" actId="20577"/>
+        <pc:sldMkLst>
+          <pc:docMk/>
+          <pc:sldMk cId="1689491401" sldId="260"/>
+        </pc:sldMkLst>
+        <pc:spChg chg="mod">
+          <ac:chgData name="재현 송" userId="59b36c7d67039b31" providerId="LiveId" clId="{FBD799FF-2C63-4631-BB7F-21F184FEF88C}" dt="2025-03-14T13:13:51.651" v="476" actId="20577"/>
+          <ac:spMkLst>
+            <pc:docMk/>
+            <pc:sldMk cId="1689491401" sldId="260"/>
+            <ac:spMk id="3" creationId="{ED2BEFAE-1E07-0447-87D2-1A13AAA15B3E}"/>
+          </ac:spMkLst>
+        </pc:spChg>
+      </pc:sldChg>
+    </pc:docChg>
+  </pc:docChgLst>
   <pc:docChgLst>
     <pc:chgData name="재현 송" userId="59b36c7d67039b31" providerId="LiveId" clId="{93BCAA1A-90EB-47EA-9D61-BE90188000CE}"/>
     <pc:docChg chg="undo custSel addSld delSld modSld">
@@ -415,60 +469,6 @@
             <ac:picMk id="3074" creationId="{35D5FEAD-5753-F71A-1F4D-88FB1B3812A1}"/>
           </ac:picMkLst>
         </pc:picChg>
-      </pc:sldChg>
-    </pc:docChg>
-  </pc:docChgLst>
-  <pc:docChgLst>
-    <pc:chgData name="재현 송" userId="59b36c7d67039b31" providerId="LiveId" clId="{FBD799FF-2C63-4631-BB7F-21F184FEF88C}"/>
-    <pc:docChg chg="undo custSel modSld">
-      <pc:chgData name="재현 송" userId="59b36c7d67039b31" providerId="LiveId" clId="{FBD799FF-2C63-4631-BB7F-21F184FEF88C}" dt="2025-03-14T13:13:51.651" v="476" actId="20577"/>
-      <pc:docMkLst>
-        <pc:docMk/>
-      </pc:docMkLst>
-      <pc:sldChg chg="modSp mod">
-        <pc:chgData name="재현 송" userId="59b36c7d67039b31" providerId="LiveId" clId="{FBD799FF-2C63-4631-BB7F-21F184FEF88C}" dt="2025-03-14T13:10:08.081" v="108" actId="20577"/>
-        <pc:sldMkLst>
-          <pc:docMk/>
-          <pc:sldMk cId="391744947" sldId="258"/>
-        </pc:sldMkLst>
-        <pc:spChg chg="mod">
-          <ac:chgData name="재현 송" userId="59b36c7d67039b31" providerId="LiveId" clId="{FBD799FF-2C63-4631-BB7F-21F184FEF88C}" dt="2025-03-14T13:10:08.081" v="108" actId="20577"/>
-          <ac:spMkLst>
-            <pc:docMk/>
-            <pc:sldMk cId="391744947" sldId="258"/>
-            <ac:spMk id="3" creationId="{ADD20838-034D-E392-4A8F-EB10732F9AA9}"/>
-          </ac:spMkLst>
-        </pc:spChg>
-      </pc:sldChg>
-      <pc:sldChg chg="modSp mod">
-        <pc:chgData name="재현 송" userId="59b36c7d67039b31" providerId="LiveId" clId="{FBD799FF-2C63-4631-BB7F-21F184FEF88C}" dt="2025-03-14T13:12:58.312" v="469" actId="20577"/>
-        <pc:sldMkLst>
-          <pc:docMk/>
-          <pc:sldMk cId="3975601491" sldId="259"/>
-        </pc:sldMkLst>
-        <pc:spChg chg="mod">
-          <ac:chgData name="재현 송" userId="59b36c7d67039b31" providerId="LiveId" clId="{FBD799FF-2C63-4631-BB7F-21F184FEF88C}" dt="2025-03-14T13:12:58.312" v="469" actId="20577"/>
-          <ac:spMkLst>
-            <pc:docMk/>
-            <pc:sldMk cId="3975601491" sldId="259"/>
-            <ac:spMk id="3" creationId="{77AC2A51-E750-FC9B-0E8F-ADAD703523F8}"/>
-          </ac:spMkLst>
-        </pc:spChg>
-      </pc:sldChg>
-      <pc:sldChg chg="modSp mod">
-        <pc:chgData name="재현 송" userId="59b36c7d67039b31" providerId="LiveId" clId="{FBD799FF-2C63-4631-BB7F-21F184FEF88C}" dt="2025-03-14T13:13:51.651" v="476" actId="20577"/>
-        <pc:sldMkLst>
-          <pc:docMk/>
-          <pc:sldMk cId="1689491401" sldId="260"/>
-        </pc:sldMkLst>
-        <pc:spChg chg="mod">
-          <ac:chgData name="재현 송" userId="59b36c7d67039b31" providerId="LiveId" clId="{FBD799FF-2C63-4631-BB7F-21F184FEF88C}" dt="2025-03-14T13:13:51.651" v="476" actId="20577"/>
-          <ac:spMkLst>
-            <pc:docMk/>
-            <pc:sldMk cId="1689491401" sldId="260"/>
-            <ac:spMk id="3" creationId="{ED2BEFAE-1E07-0447-87D2-1A13AAA15B3E}"/>
-          </ac:spMkLst>
-        </pc:spChg>
       </pc:sldChg>
     </pc:docChg>
   </pc:docChgLst>
@@ -5846,12 +5846,12 @@
           </a:p>
           <a:p>
             <a:r>
-              <a:rPr lang="ko-KR" altLang="en-US" dirty="0" err="1">
+              <a:rPr lang="en-US" altLang="ko-KR" dirty="0">
                 <a:solidFill>
                   <a:schemeClr val="bg1"/>
                 </a:solidFill>
               </a:rPr>
-              <a:t>학번넣어주세요</a:t>
+              <a:t>202001156</a:t>
             </a:r>
             <a:r>
               <a:rPr lang="ko-KR" altLang="en-US" dirty="0">
@@ -7056,8 +7056,12 @@
           <a:lstStyle/>
           <a:p>
             <a:r>
+              <a:rPr lang="ko-KR" altLang="en-US"/>
+              <a:t>프로젝트 관련 </a:t>
+            </a:r>
+            <a:r>
               <a:rPr lang="ko-KR" altLang="en-US" dirty="0"/>
-              <a:t>프로젝트 관력 학습 계획</a:t>
+              <a:t>학습 계획</a:t>
             </a:r>
           </a:p>
         </p:txBody>
